--- a/SQLServerMLServer/SQLServerMLServer.pptx
+++ b/SQLServerMLServer/SQLServerMLServer.pptx
@@ -5,7 +5,7 @@
     <p:sldMasterId id="2147483648" r:id="rId1"/>
   </p:sldMasterIdLst>
   <p:notesMasterIdLst>
-    <p:notesMasterId r:id="rId51"/>
+    <p:notesMasterId r:id="rId53"/>
   </p:notesMasterIdLst>
   <p:sldIdLst>
     <p:sldId id="332" r:id="rId2"/>
@@ -52,11 +52,13 @@
     <p:sldId id="534" r:id="rId43"/>
     <p:sldId id="533" r:id="rId44"/>
     <p:sldId id="530" r:id="rId45"/>
-    <p:sldId id="567" r:id="rId46"/>
-    <p:sldId id="566" r:id="rId47"/>
-    <p:sldId id="536" r:id="rId48"/>
-    <p:sldId id="565" r:id="rId49"/>
-    <p:sldId id="535" r:id="rId50"/>
+    <p:sldId id="569" r:id="rId46"/>
+    <p:sldId id="570" r:id="rId47"/>
+    <p:sldId id="567" r:id="rId48"/>
+    <p:sldId id="566" r:id="rId49"/>
+    <p:sldId id="568" r:id="rId50"/>
+    <p:sldId id="565" r:id="rId51"/>
+    <p:sldId id="535" r:id="rId52"/>
   </p:sldIdLst>
   <p:sldSz cx="12192000" cy="6858000"/>
   <p:notesSz cx="6858000" cy="9144000"/>
@@ -161,10 +163,6 @@
     </p:ext>
   </p:extLst>
 </p:presentation>
-</file>
-
-<file path=ppt/revisionInfo.xml><?xml version="1.0" encoding="utf-8"?>
-<p1510:revInfo xmlns:a="http://schemas.openxmlformats.org/drawingml/2006/main" xmlns:r="http://schemas.openxmlformats.org/officeDocument/2006/relationships" xmlns:p1510="http://schemas.microsoft.com/office/powerpoint/2015/10/main"/>
 </file>
 
 <file path=ppt/diagrams/colors1.xml><?xml version="1.0" encoding="utf-8"?>
@@ -3017,7 +3015,7 @@
           <a:p>
             <a:fld id="{EA5437A5-9A1F-423F-AB35-0B6CC9C46E62}" type="datetimeFigureOut">
               <a:rPr lang="en-US" smtClean="0"/>
-              <a:t>3/2/2018</a:t>
+              <a:t>5/1/2018</a:t>
             </a:fld>
             <a:endParaRPr lang="en-US"/>
           </a:p>
@@ -5288,7 +5286,7 @@
           <a:p>
             <a:fld id="{D18B56EA-E28F-4F92-9F16-7A6F2501B303}" type="datetime8">
               <a:rPr lang="en-US" smtClean="0"/>
-              <a:t>3/2/2018 10:32 AM</a:t>
+              <a:t>5/1/2018 4:26 PM</a:t>
             </a:fld>
             <a:endParaRPr lang="en-US" dirty="0"/>
           </a:p>
@@ -6839,7 +6837,7 @@
     </p:spTree>
     <p:extLst>
       <p:ext uri="{BB962C8B-B14F-4D97-AF65-F5344CB8AC3E}">
-        <p14:creationId xmlns:p14="http://schemas.microsoft.com/office/powerpoint/2010/main" val="2158963644"/>
+        <p14:creationId xmlns:p14="http://schemas.microsoft.com/office/powerpoint/2010/main" val="3281498785"/>
       </p:ext>
     </p:extLst>
   </p:cSld>
@@ -6923,7 +6921,7 @@
     </p:spTree>
     <p:extLst>
       <p:ext uri="{BB962C8B-B14F-4D97-AF65-F5344CB8AC3E}">
-        <p14:creationId xmlns:p14="http://schemas.microsoft.com/office/powerpoint/2010/main" val="2655244144"/>
+        <p14:creationId xmlns:p14="http://schemas.microsoft.com/office/powerpoint/2010/main" val="1600230824"/>
       </p:ext>
     </p:extLst>
   </p:cSld>
@@ -7007,7 +7005,7 @@
     </p:spTree>
     <p:extLst>
       <p:ext uri="{BB962C8B-B14F-4D97-AF65-F5344CB8AC3E}">
-        <p14:creationId xmlns:p14="http://schemas.microsoft.com/office/powerpoint/2010/main" val="4242735287"/>
+        <p14:creationId xmlns:p14="http://schemas.microsoft.com/office/powerpoint/2010/main" val="2158963644"/>
       </p:ext>
     </p:extLst>
   </p:cSld>
@@ -7091,7 +7089,7 @@
     </p:spTree>
     <p:extLst>
       <p:ext uri="{BB962C8B-B14F-4D97-AF65-F5344CB8AC3E}">
-        <p14:creationId xmlns:p14="http://schemas.microsoft.com/office/powerpoint/2010/main" val="916181436"/>
+        <p14:creationId xmlns:p14="http://schemas.microsoft.com/office/powerpoint/2010/main" val="2655244144"/>
       </p:ext>
     </p:extLst>
   </p:cSld>
@@ -7175,7 +7173,7 @@
     </p:spTree>
     <p:extLst>
       <p:ext uri="{BB962C8B-B14F-4D97-AF65-F5344CB8AC3E}">
-        <p14:creationId xmlns:p14="http://schemas.microsoft.com/office/powerpoint/2010/main" val="829056136"/>
+        <p14:creationId xmlns:p14="http://schemas.microsoft.com/office/powerpoint/2010/main" val="4087310439"/>
       </p:ext>
     </p:extLst>
   </p:cSld>
@@ -7266,6 +7264,174 @@
     <p:extLst>
       <p:ext uri="{BB962C8B-B14F-4D97-AF65-F5344CB8AC3E}">
         <p14:creationId xmlns:p14="http://schemas.microsoft.com/office/powerpoint/2010/main" val="561245306"/>
+      </p:ext>
+    </p:extLst>
+  </p:cSld>
+  <p:clrMapOvr>
+    <a:masterClrMapping/>
+  </p:clrMapOvr>
+</p:notes>
+</file>
+
+<file path=ppt/notesSlides/notesSlide50.xml><?xml version="1.0" encoding="utf-8"?>
+<p:notes xmlns:a="http://schemas.openxmlformats.org/drawingml/2006/main" xmlns:r="http://schemas.openxmlformats.org/officeDocument/2006/relationships" xmlns:p="http://schemas.openxmlformats.org/presentationml/2006/main">
+  <p:cSld>
+    <p:spTree>
+      <p:nvGrpSpPr>
+        <p:cNvPr id="1" name=""/>
+        <p:cNvGrpSpPr/>
+        <p:nvPr/>
+      </p:nvGrpSpPr>
+      <p:grpSpPr>
+        <a:xfrm>
+          <a:off x="0" y="0"/>
+          <a:ext cx="0" cy="0"/>
+          <a:chOff x="0" y="0"/>
+          <a:chExt cx="0" cy="0"/>
+        </a:xfrm>
+      </p:grpSpPr>
+      <p:sp>
+        <p:nvSpPr>
+          <p:cNvPr id="2" name="Slide Image Placeholder 1"/>
+          <p:cNvSpPr>
+            <a:spLocks noGrp="1" noRot="1" noChangeAspect="1"/>
+          </p:cNvSpPr>
+          <p:nvPr>
+            <p:ph type="sldImg"/>
+          </p:nvPr>
+        </p:nvSpPr>
+        <p:spPr/>
+      </p:sp>
+      <p:sp>
+        <p:nvSpPr>
+          <p:cNvPr id="3" name="Notes Placeholder 2"/>
+          <p:cNvSpPr>
+            <a:spLocks noGrp="1"/>
+          </p:cNvSpPr>
+          <p:nvPr>
+            <p:ph type="body" idx="1"/>
+          </p:nvPr>
+        </p:nvSpPr>
+        <p:spPr/>
+        <p:txBody>
+          <a:bodyPr/>
+          <a:lstStyle/>
+          <a:p>
+            <a:endParaRPr lang="en-US"/>
+          </a:p>
+        </p:txBody>
+      </p:sp>
+      <p:sp>
+        <p:nvSpPr>
+          <p:cNvPr id="4" name="Slide Number Placeholder 3"/>
+          <p:cNvSpPr>
+            <a:spLocks noGrp="1"/>
+          </p:cNvSpPr>
+          <p:nvPr>
+            <p:ph type="sldNum" sz="quarter" idx="10"/>
+          </p:nvPr>
+        </p:nvSpPr>
+        <p:spPr/>
+        <p:txBody>
+          <a:bodyPr/>
+          <a:lstStyle/>
+          <a:p>
+            <a:fld id="{F5D97377-8615-40E2-AA20-5EAD8051D528}" type="slidenum">
+              <a:rPr lang="en-US" smtClean="0"/>
+              <a:t>50</a:t>
+            </a:fld>
+            <a:endParaRPr lang="en-US"/>
+          </a:p>
+        </p:txBody>
+      </p:sp>
+    </p:spTree>
+    <p:extLst>
+      <p:ext uri="{BB962C8B-B14F-4D97-AF65-F5344CB8AC3E}">
+        <p14:creationId xmlns:p14="http://schemas.microsoft.com/office/powerpoint/2010/main" val="916181436"/>
+      </p:ext>
+    </p:extLst>
+  </p:cSld>
+  <p:clrMapOvr>
+    <a:masterClrMapping/>
+  </p:clrMapOvr>
+</p:notes>
+</file>
+
+<file path=ppt/notesSlides/notesSlide51.xml><?xml version="1.0" encoding="utf-8"?>
+<p:notes xmlns:a="http://schemas.openxmlformats.org/drawingml/2006/main" xmlns:r="http://schemas.openxmlformats.org/officeDocument/2006/relationships" xmlns:p="http://schemas.openxmlformats.org/presentationml/2006/main">
+  <p:cSld>
+    <p:spTree>
+      <p:nvGrpSpPr>
+        <p:cNvPr id="1" name=""/>
+        <p:cNvGrpSpPr/>
+        <p:nvPr/>
+      </p:nvGrpSpPr>
+      <p:grpSpPr>
+        <a:xfrm>
+          <a:off x="0" y="0"/>
+          <a:ext cx="0" cy="0"/>
+          <a:chOff x="0" y="0"/>
+          <a:chExt cx="0" cy="0"/>
+        </a:xfrm>
+      </p:grpSpPr>
+      <p:sp>
+        <p:nvSpPr>
+          <p:cNvPr id="2" name="Slide Image Placeholder 1"/>
+          <p:cNvSpPr>
+            <a:spLocks noGrp="1" noRot="1" noChangeAspect="1"/>
+          </p:cNvSpPr>
+          <p:nvPr>
+            <p:ph type="sldImg"/>
+          </p:nvPr>
+        </p:nvSpPr>
+        <p:spPr/>
+      </p:sp>
+      <p:sp>
+        <p:nvSpPr>
+          <p:cNvPr id="3" name="Notes Placeholder 2"/>
+          <p:cNvSpPr>
+            <a:spLocks noGrp="1"/>
+          </p:cNvSpPr>
+          <p:nvPr>
+            <p:ph type="body" idx="1"/>
+          </p:nvPr>
+        </p:nvSpPr>
+        <p:spPr/>
+        <p:txBody>
+          <a:bodyPr/>
+          <a:lstStyle/>
+          <a:p>
+            <a:endParaRPr lang="en-US"/>
+          </a:p>
+        </p:txBody>
+      </p:sp>
+      <p:sp>
+        <p:nvSpPr>
+          <p:cNvPr id="4" name="Slide Number Placeholder 3"/>
+          <p:cNvSpPr>
+            <a:spLocks noGrp="1"/>
+          </p:cNvSpPr>
+          <p:nvPr>
+            <p:ph type="sldNum" sz="quarter" idx="10"/>
+          </p:nvPr>
+        </p:nvSpPr>
+        <p:spPr/>
+        <p:txBody>
+          <a:bodyPr/>
+          <a:lstStyle/>
+          <a:p>
+            <a:fld id="{F5D97377-8615-40E2-AA20-5EAD8051D528}" type="slidenum">
+              <a:rPr lang="en-US" smtClean="0"/>
+              <a:t>51</a:t>
+            </a:fld>
+            <a:endParaRPr lang="en-US"/>
+          </a:p>
+        </p:txBody>
+      </p:sp>
+    </p:spTree>
+    <p:extLst>
+      <p:ext uri="{BB962C8B-B14F-4D97-AF65-F5344CB8AC3E}">
+        <p14:creationId xmlns:p14="http://schemas.microsoft.com/office/powerpoint/2010/main" val="829056136"/>
       </p:ext>
     </p:extLst>
   </p:cSld>
@@ -21755,6 +21921,158 @@
           </a:p>
         </p:txBody>
       </p:sp>
+      <p:sp>
+        <p:nvSpPr>
+          <p:cNvPr id="3" name="Rectangle 2">
+            <a:extLst>
+              <a:ext uri="{FF2B5EF4-FFF2-40B4-BE49-F238E27FC236}">
+                <a16:creationId xmlns:a16="http://schemas.microsoft.com/office/drawing/2014/main" id="{8CB3C4EB-547A-4738-ACFC-7B09DC2DA1F4}"/>
+              </a:ext>
+            </a:extLst>
+          </p:cNvPr>
+          <p:cNvSpPr/>
+          <p:nvPr/>
+        </p:nvSpPr>
+        <p:spPr>
+          <a:xfrm>
+            <a:off x="100640" y="4619727"/>
+            <a:ext cx="12091360" cy="369332"/>
+          </a:xfrm>
+          <a:prstGeom prst="rect">
+            <a:avLst/>
+          </a:prstGeom>
+        </p:spPr>
+        <p:txBody>
+          <a:bodyPr wrap="square">
+            <a:spAutoFit/>
+          </a:bodyPr>
+          <a:lstStyle/>
+          <a:p>
+            <a:r>
+              <a:rPr lang="en-US" dirty="0">
+                <a:hlinkClick r:id="rId3"/>
+              </a:rPr>
+              <a:t>https://docs.microsoft.com/en-us/machine-learning-server/operationalize/quickstart-publish-r-web-service</a:t>
+            </a:r>
+            <a:endParaRPr lang="en-US" dirty="0"/>
+          </a:p>
+        </p:txBody>
+      </p:sp>
+      <p:sp>
+        <p:nvSpPr>
+          <p:cNvPr id="5" name="Rectangle 4">
+            <a:extLst>
+              <a:ext uri="{FF2B5EF4-FFF2-40B4-BE49-F238E27FC236}">
+                <a16:creationId xmlns:a16="http://schemas.microsoft.com/office/drawing/2014/main" id="{64C57DE0-58EC-40E6-8887-B2DB2F2E5D2F}"/>
+              </a:ext>
+            </a:extLst>
+          </p:cNvPr>
+          <p:cNvSpPr/>
+          <p:nvPr/>
+        </p:nvSpPr>
+        <p:spPr>
+          <a:xfrm>
+            <a:off x="100640" y="5926197"/>
+            <a:ext cx="11720422" cy="646331"/>
+          </a:xfrm>
+          <a:prstGeom prst="rect">
+            <a:avLst/>
+          </a:prstGeom>
+        </p:spPr>
+        <p:txBody>
+          <a:bodyPr wrap="square">
+            <a:spAutoFit/>
+          </a:bodyPr>
+          <a:lstStyle/>
+          <a:p>
+            <a:r>
+              <a:rPr lang="en-US" dirty="0">
+                <a:hlinkClick r:id="rId4"/>
+              </a:rPr>
+              <a:t>https://docs.microsoft.com/en-us/machine-learning-server/operationalize/configure-machine-learning-server-one-box</a:t>
+            </a:r>
+            <a:endParaRPr lang="en-US" dirty="0"/>
+          </a:p>
+        </p:txBody>
+      </p:sp>
+      <p:sp>
+        <p:nvSpPr>
+          <p:cNvPr id="6" name="TextBox 5">
+            <a:extLst>
+              <a:ext uri="{FF2B5EF4-FFF2-40B4-BE49-F238E27FC236}">
+                <a16:creationId xmlns:a16="http://schemas.microsoft.com/office/drawing/2014/main" id="{AB1C6BDF-10F4-41C2-AA91-BA14FA887FD6}"/>
+              </a:ext>
+            </a:extLst>
+          </p:cNvPr>
+          <p:cNvSpPr txBox="1"/>
+          <p:nvPr/>
+        </p:nvSpPr>
+        <p:spPr>
+          <a:xfrm>
+            <a:off x="123645" y="4321043"/>
+            <a:ext cx="1721946" cy="369332"/>
+          </a:xfrm>
+          <a:prstGeom prst="rect">
+            <a:avLst/>
+          </a:prstGeom>
+          <a:noFill/>
+        </p:spPr>
+        <p:txBody>
+          <a:bodyPr wrap="none" rtlCol="0">
+            <a:spAutoFit/>
+          </a:bodyPr>
+          <a:lstStyle/>
+          <a:p>
+            <a:r>
+              <a:rPr lang="en-US" dirty="0">
+                <a:solidFill>
+                  <a:schemeClr val="bg1"/>
+                </a:solidFill>
+              </a:rPr>
+              <a:t>Configuration</a:t>
+            </a:r>
+          </a:p>
+        </p:txBody>
+      </p:sp>
+      <p:sp>
+        <p:nvSpPr>
+          <p:cNvPr id="7" name="TextBox 6">
+            <a:extLst>
+              <a:ext uri="{FF2B5EF4-FFF2-40B4-BE49-F238E27FC236}">
+                <a16:creationId xmlns:a16="http://schemas.microsoft.com/office/drawing/2014/main" id="{5038A08B-EA0D-45FA-8C68-FD1FF2F62544}"/>
+              </a:ext>
+            </a:extLst>
+          </p:cNvPr>
+          <p:cNvSpPr txBox="1"/>
+          <p:nvPr/>
+        </p:nvSpPr>
+        <p:spPr>
+          <a:xfrm>
+            <a:off x="123645" y="5556865"/>
+            <a:ext cx="2662908" cy="369332"/>
+          </a:xfrm>
+          <a:prstGeom prst="rect">
+            <a:avLst/>
+          </a:prstGeom>
+          <a:noFill/>
+        </p:spPr>
+        <p:txBody>
+          <a:bodyPr wrap="none" rtlCol="0">
+            <a:spAutoFit/>
+          </a:bodyPr>
+          <a:lstStyle/>
+          <a:p>
+            <a:r>
+              <a:rPr lang="en-US" dirty="0">
+                <a:solidFill>
+                  <a:schemeClr val="bg1"/>
+                </a:solidFill>
+              </a:rPr>
+              <a:t>Server One Box Set Up</a:t>
+            </a:r>
+          </a:p>
+        </p:txBody>
+      </p:sp>
     </p:spTree>
     <p:extLst>
       <p:ext uri="{BB962C8B-B14F-4D97-AF65-F5344CB8AC3E}">
@@ -22044,6 +22362,91 @@
           </a:p>
         </p:txBody>
       </p:sp>
+      <p:sp>
+        <p:nvSpPr>
+          <p:cNvPr id="3" name="TextBox 2">
+            <a:extLst>
+              <a:ext uri="{FF2B5EF4-FFF2-40B4-BE49-F238E27FC236}">
+                <a16:creationId xmlns:a16="http://schemas.microsoft.com/office/drawing/2014/main" id="{925A098D-3F71-4645-8387-6C8B7094039F}"/>
+              </a:ext>
+            </a:extLst>
+          </p:cNvPr>
+          <p:cNvSpPr txBox="1"/>
+          <p:nvPr/>
+        </p:nvSpPr>
+        <p:spPr>
+          <a:xfrm>
+            <a:off x="2803585" y="3868038"/>
+            <a:ext cx="4849404" cy="1200329"/>
+          </a:xfrm>
+          <a:prstGeom prst="rect">
+            <a:avLst/>
+          </a:prstGeom>
+          <a:noFill/>
+        </p:spPr>
+        <p:txBody>
+          <a:bodyPr wrap="none" rtlCol="0">
+            <a:spAutoFit/>
+          </a:bodyPr>
+          <a:lstStyle/>
+          <a:p>
+            <a:pPr marL="285750" indent="-285750">
+              <a:buFont typeface="Arial" panose="020B0604020202020204" pitchFamily="34" charset="0"/>
+              <a:buChar char="•"/>
+            </a:pPr>
+            <a:r>
+              <a:rPr lang="en-US" dirty="0">
+                <a:solidFill>
+                  <a:schemeClr val="bg1"/>
+                </a:solidFill>
+              </a:rPr>
+              <a:t>Rx Functions – End to End Walk Through</a:t>
+            </a:r>
+          </a:p>
+          <a:p>
+            <a:pPr marL="285750" indent="-285750">
+              <a:buFont typeface="Arial" panose="020B0604020202020204" pitchFamily="34" charset="0"/>
+              <a:buChar char="•"/>
+            </a:pPr>
+            <a:r>
+              <a:rPr lang="en-US" dirty="0">
+                <a:solidFill>
+                  <a:schemeClr val="bg1"/>
+                </a:solidFill>
+              </a:rPr>
+              <a:t>SQL Agent Job</a:t>
+            </a:r>
+          </a:p>
+          <a:p>
+            <a:pPr marL="285750" indent="-285750">
+              <a:buFont typeface="Arial" panose="020B0604020202020204" pitchFamily="34" charset="0"/>
+              <a:buChar char="•"/>
+            </a:pPr>
+            <a:r>
+              <a:rPr lang="en-US" dirty="0">
+                <a:solidFill>
+                  <a:schemeClr val="bg1"/>
+                </a:solidFill>
+              </a:rPr>
+              <a:t>R Stored Procedure</a:t>
+            </a:r>
+          </a:p>
+          <a:p>
+            <a:pPr marL="285750" indent="-285750">
+              <a:buFont typeface="Arial" panose="020B0604020202020204" pitchFamily="34" charset="0"/>
+              <a:buChar char="•"/>
+            </a:pPr>
+            <a:r>
+              <a:rPr lang="en-US" dirty="0">
+                <a:solidFill>
+                  <a:schemeClr val="bg1"/>
+                </a:solidFill>
+              </a:rPr>
+              <a:t>Insert Model into Table</a:t>
+            </a:r>
+          </a:p>
+        </p:txBody>
+      </p:sp>
     </p:spTree>
     <p:extLst>
       <p:ext uri="{BB962C8B-B14F-4D97-AF65-F5344CB8AC3E}">
@@ -22058,6 +22461,562 @@
 </file>
 
 <file path=ppt/slides/slide45.xml><?xml version="1.0" encoding="utf-8"?>
+<p:sld xmlns:a="http://schemas.openxmlformats.org/drawingml/2006/main" xmlns:r="http://schemas.openxmlformats.org/officeDocument/2006/relationships" xmlns:p="http://schemas.openxmlformats.org/presentationml/2006/main">
+  <p:cSld>
+    <p:spTree>
+      <p:nvGrpSpPr>
+        <p:cNvPr id="1" name=""/>
+        <p:cNvGrpSpPr/>
+        <p:nvPr/>
+      </p:nvGrpSpPr>
+      <p:grpSpPr>
+        <a:xfrm>
+          <a:off x="0" y="0"/>
+          <a:ext cx="0" cy="0"/>
+          <a:chOff x="0" y="0"/>
+          <a:chExt cx="0" cy="0"/>
+        </a:xfrm>
+      </p:grpSpPr>
+      <p:sp>
+        <p:nvSpPr>
+          <p:cNvPr id="4" name="Rectangle 3">
+            <a:extLst>
+              <a:ext uri="{FF2B5EF4-FFF2-40B4-BE49-F238E27FC236}">
+                <a16:creationId xmlns:a16="http://schemas.microsoft.com/office/drawing/2014/main" id="{3D2A6562-A401-4533-ACF2-80F22798A9A3}"/>
+              </a:ext>
+            </a:extLst>
+          </p:cNvPr>
+          <p:cNvSpPr/>
+          <p:nvPr/>
+        </p:nvSpPr>
+        <p:spPr>
+          <a:xfrm>
+            <a:off x="0" y="0"/>
+            <a:ext cx="7481664" cy="769441"/>
+          </a:xfrm>
+          <a:prstGeom prst="rect">
+            <a:avLst/>
+          </a:prstGeom>
+        </p:spPr>
+        <p:txBody>
+          <a:bodyPr wrap="none">
+            <a:spAutoFit/>
+          </a:bodyPr>
+          <a:lstStyle/>
+          <a:p>
+            <a:pPr fontAlgn="base"/>
+            <a:r>
+              <a:rPr lang="en-US" sz="4400" b="1" dirty="0">
+                <a:solidFill>
+                  <a:srgbClr val="0070C0"/>
+                </a:solidFill>
+                <a:latin typeface="Arial Rounded MT Bold" panose="020F0704030504030204" pitchFamily="34" charset="0"/>
+              </a:rPr>
+              <a:t>R Code Stored Procedures</a:t>
+            </a:r>
+          </a:p>
+        </p:txBody>
+      </p:sp>
+      <p:pic>
+        <p:nvPicPr>
+          <p:cNvPr id="2" name="Picture 1">
+            <a:extLst>
+              <a:ext uri="{FF2B5EF4-FFF2-40B4-BE49-F238E27FC236}">
+                <a16:creationId xmlns:a16="http://schemas.microsoft.com/office/drawing/2014/main" id="{9B1BA531-7C3F-4E27-BB17-D4FA99736422}"/>
+              </a:ext>
+            </a:extLst>
+          </p:cNvPr>
+          <p:cNvPicPr>
+            <a:picLocks noChangeAspect="1"/>
+          </p:cNvPicPr>
+          <p:nvPr/>
+        </p:nvPicPr>
+        <p:blipFill>
+          <a:blip r:embed="rId3"/>
+          <a:stretch>
+            <a:fillRect/>
+          </a:stretch>
+        </p:blipFill>
+        <p:spPr>
+          <a:xfrm>
+            <a:off x="2519260" y="1034096"/>
+            <a:ext cx="6993759" cy="5615144"/>
+          </a:xfrm>
+          <a:prstGeom prst="rect">
+            <a:avLst/>
+          </a:prstGeom>
+        </p:spPr>
+      </p:pic>
+      <p:sp>
+        <p:nvSpPr>
+          <p:cNvPr id="3" name="Callout: Line 2">
+            <a:extLst>
+              <a:ext uri="{FF2B5EF4-FFF2-40B4-BE49-F238E27FC236}">
+                <a16:creationId xmlns:a16="http://schemas.microsoft.com/office/drawing/2014/main" id="{4774C6D8-2847-4F12-AC91-9F8EDB71620C}"/>
+              </a:ext>
+            </a:extLst>
+          </p:cNvPr>
+          <p:cNvSpPr/>
+          <p:nvPr/>
+        </p:nvSpPr>
+        <p:spPr>
+          <a:xfrm>
+            <a:off x="6160219" y="5101470"/>
+            <a:ext cx="2438400" cy="457200"/>
+          </a:xfrm>
+          <a:prstGeom prst="borderCallout1">
+            <a:avLst>
+              <a:gd name="adj1" fmla="val 18750"/>
+              <a:gd name="adj2" fmla="val -8333"/>
+              <a:gd name="adj3" fmla="val 14387"/>
+              <a:gd name="adj4" fmla="val -74064"/>
+            </a:avLst>
+          </a:prstGeom>
+          <a:solidFill>
+            <a:srgbClr val="7030A0"/>
+          </a:solidFill>
+        </p:spPr>
+        <p:style>
+          <a:lnRef idx="2">
+            <a:schemeClr val="accent1">
+              <a:shade val="50000"/>
+            </a:schemeClr>
+          </a:lnRef>
+          <a:fillRef idx="1">
+            <a:schemeClr val="accent1"/>
+          </a:fillRef>
+          <a:effectRef idx="0">
+            <a:schemeClr val="accent1"/>
+          </a:effectRef>
+          <a:fontRef idx="minor">
+            <a:schemeClr val="lt1"/>
+          </a:fontRef>
+        </p:style>
+        <p:txBody>
+          <a:bodyPr rtlCol="0" anchor="ctr"/>
+          <a:lstStyle/>
+          <a:p>
+            <a:pPr algn="ctr"/>
+            <a:r>
+              <a:rPr lang="en-US" dirty="0"/>
+              <a:t>Input via T-SQL</a:t>
+            </a:r>
+          </a:p>
+        </p:txBody>
+      </p:sp>
+      <p:sp>
+        <p:nvSpPr>
+          <p:cNvPr id="5" name="Callout: Line 4">
+            <a:extLst>
+              <a:ext uri="{FF2B5EF4-FFF2-40B4-BE49-F238E27FC236}">
+                <a16:creationId xmlns:a16="http://schemas.microsoft.com/office/drawing/2014/main" id="{77B799CB-2004-4D39-89CC-D597A7190B43}"/>
+              </a:ext>
+            </a:extLst>
+          </p:cNvPr>
+          <p:cNvSpPr/>
+          <p:nvPr/>
+        </p:nvSpPr>
+        <p:spPr>
+          <a:xfrm>
+            <a:off x="6987083" y="2610583"/>
+            <a:ext cx="2438400" cy="457200"/>
+          </a:xfrm>
+          <a:prstGeom prst="borderCallout1">
+            <a:avLst>
+              <a:gd name="adj1" fmla="val 18750"/>
+              <a:gd name="adj2" fmla="val -8333"/>
+              <a:gd name="adj3" fmla="val 125708"/>
+              <a:gd name="adj4" fmla="val -84677"/>
+            </a:avLst>
+          </a:prstGeom>
+          <a:solidFill>
+            <a:srgbClr val="7030A0"/>
+          </a:solidFill>
+        </p:spPr>
+        <p:style>
+          <a:lnRef idx="2">
+            <a:schemeClr val="accent1">
+              <a:shade val="50000"/>
+            </a:schemeClr>
+          </a:lnRef>
+          <a:fillRef idx="1">
+            <a:schemeClr val="accent1"/>
+          </a:fillRef>
+          <a:effectRef idx="0">
+            <a:schemeClr val="accent1"/>
+          </a:effectRef>
+          <a:fontRef idx="minor">
+            <a:schemeClr val="lt1"/>
+          </a:fontRef>
+        </p:style>
+        <p:txBody>
+          <a:bodyPr rtlCol="0" anchor="ctr"/>
+          <a:lstStyle/>
+          <a:p>
+            <a:pPr algn="ctr"/>
+            <a:r>
+              <a:rPr lang="en-US" dirty="0"/>
+              <a:t>Input Data</a:t>
+            </a:r>
+          </a:p>
+        </p:txBody>
+      </p:sp>
+      <p:cxnSp>
+        <p:nvCxnSpPr>
+          <p:cNvPr id="7" name="Straight Connector 6">
+            <a:extLst>
+              <a:ext uri="{FF2B5EF4-FFF2-40B4-BE49-F238E27FC236}">
+                <a16:creationId xmlns:a16="http://schemas.microsoft.com/office/drawing/2014/main" id="{F457D02F-5B23-418F-BA61-7EAC9401732D}"/>
+              </a:ext>
+            </a:extLst>
+          </p:cNvPr>
+          <p:cNvCxnSpPr/>
+          <p:nvPr/>
+        </p:nvCxnSpPr>
+        <p:spPr>
+          <a:xfrm flipH="1" flipV="1">
+            <a:off x="5486400" y="3403120"/>
+            <a:ext cx="1893019" cy="1565694"/>
+          </a:xfrm>
+          <a:prstGeom prst="line">
+            <a:avLst/>
+          </a:prstGeom>
+        </p:spPr>
+        <p:style>
+          <a:lnRef idx="1">
+            <a:schemeClr val="accent1"/>
+          </a:lnRef>
+          <a:fillRef idx="0">
+            <a:schemeClr val="accent1"/>
+          </a:fillRef>
+          <a:effectRef idx="0">
+            <a:schemeClr val="accent1"/>
+          </a:effectRef>
+          <a:fontRef idx="minor">
+            <a:schemeClr val="tx1"/>
+          </a:fontRef>
+        </p:style>
+      </p:cxnSp>
+      <p:sp>
+        <p:nvSpPr>
+          <p:cNvPr id="8" name="Callout: Line 7">
+            <a:extLst>
+              <a:ext uri="{FF2B5EF4-FFF2-40B4-BE49-F238E27FC236}">
+                <a16:creationId xmlns:a16="http://schemas.microsoft.com/office/drawing/2014/main" id="{9D9EF645-D2AF-413E-8621-FBD831778E77}"/>
+              </a:ext>
+            </a:extLst>
+          </p:cNvPr>
+          <p:cNvSpPr/>
+          <p:nvPr/>
+        </p:nvSpPr>
+        <p:spPr>
+          <a:xfrm>
+            <a:off x="914400" y="3383414"/>
+            <a:ext cx="2438400" cy="457200"/>
+          </a:xfrm>
+          <a:prstGeom prst="borderCallout1">
+            <a:avLst>
+              <a:gd name="adj1" fmla="val 48939"/>
+              <a:gd name="adj2" fmla="val 104521"/>
+              <a:gd name="adj3" fmla="val 242689"/>
+              <a:gd name="adj4" fmla="val 132894"/>
+            </a:avLst>
+          </a:prstGeom>
+          <a:solidFill>
+            <a:srgbClr val="7030A0"/>
+          </a:solidFill>
+        </p:spPr>
+        <p:style>
+          <a:lnRef idx="2">
+            <a:schemeClr val="accent1">
+              <a:shade val="50000"/>
+            </a:schemeClr>
+          </a:lnRef>
+          <a:fillRef idx="1">
+            <a:schemeClr val="accent1"/>
+          </a:fillRef>
+          <a:effectRef idx="0">
+            <a:schemeClr val="accent1"/>
+          </a:effectRef>
+          <a:fontRef idx="minor">
+            <a:schemeClr val="lt1"/>
+          </a:fontRef>
+        </p:style>
+        <p:txBody>
+          <a:bodyPr rtlCol="0" anchor="ctr"/>
+          <a:lstStyle/>
+          <a:p>
+            <a:pPr algn="ctr"/>
+            <a:r>
+              <a:rPr lang="en-US" dirty="0"/>
+              <a:t>Output from R</a:t>
+            </a:r>
+          </a:p>
+        </p:txBody>
+      </p:sp>
+      <p:cxnSp>
+        <p:nvCxnSpPr>
+          <p:cNvPr id="10" name="Straight Connector 9">
+            <a:extLst>
+              <a:ext uri="{FF2B5EF4-FFF2-40B4-BE49-F238E27FC236}">
+                <a16:creationId xmlns:a16="http://schemas.microsoft.com/office/drawing/2014/main" id="{566189C9-C107-4E21-9478-4ACB4E2F3D69}"/>
+              </a:ext>
+            </a:extLst>
+          </p:cNvPr>
+          <p:cNvCxnSpPr/>
+          <p:nvPr/>
+        </p:nvCxnSpPr>
+        <p:spPr>
+          <a:xfrm>
+            <a:off x="1992702" y="3916392"/>
+            <a:ext cx="1360098" cy="2294626"/>
+          </a:xfrm>
+          <a:prstGeom prst="line">
+            <a:avLst/>
+          </a:prstGeom>
+        </p:spPr>
+        <p:style>
+          <a:lnRef idx="1">
+            <a:schemeClr val="accent1"/>
+          </a:lnRef>
+          <a:fillRef idx="0">
+            <a:schemeClr val="accent1"/>
+          </a:fillRef>
+          <a:effectRef idx="0">
+            <a:schemeClr val="accent1"/>
+          </a:effectRef>
+          <a:fontRef idx="minor">
+            <a:schemeClr val="tx1"/>
+          </a:fontRef>
+        </p:style>
+      </p:cxnSp>
+    </p:spTree>
+    <p:extLst>
+      <p:ext uri="{BB962C8B-B14F-4D97-AF65-F5344CB8AC3E}">
+        <p14:creationId xmlns:p14="http://schemas.microsoft.com/office/powerpoint/2010/main" val="3784400795"/>
+      </p:ext>
+    </p:extLst>
+  </p:cSld>
+  <p:clrMapOvr>
+    <a:masterClrMapping/>
+  </p:clrMapOvr>
+</p:sld>
+</file>
+
+<file path=ppt/slides/slide46.xml><?xml version="1.0" encoding="utf-8"?>
+<p:sld xmlns:a="http://schemas.openxmlformats.org/drawingml/2006/main" xmlns:r="http://schemas.openxmlformats.org/officeDocument/2006/relationships" xmlns:p="http://schemas.openxmlformats.org/presentationml/2006/main">
+  <p:cSld>
+    <p:spTree>
+      <p:nvGrpSpPr>
+        <p:cNvPr id="1" name=""/>
+        <p:cNvGrpSpPr/>
+        <p:nvPr/>
+      </p:nvGrpSpPr>
+      <p:grpSpPr>
+        <a:xfrm>
+          <a:off x="0" y="0"/>
+          <a:ext cx="0" cy="0"/>
+          <a:chOff x="0" y="0"/>
+          <a:chExt cx="0" cy="0"/>
+        </a:xfrm>
+      </p:grpSpPr>
+      <p:sp>
+        <p:nvSpPr>
+          <p:cNvPr id="4" name="Rectangle 3">
+            <a:extLst>
+              <a:ext uri="{FF2B5EF4-FFF2-40B4-BE49-F238E27FC236}">
+                <a16:creationId xmlns:a16="http://schemas.microsoft.com/office/drawing/2014/main" id="{3D2A6562-A401-4533-ACF2-80F22798A9A3}"/>
+              </a:ext>
+            </a:extLst>
+          </p:cNvPr>
+          <p:cNvSpPr/>
+          <p:nvPr/>
+        </p:nvSpPr>
+        <p:spPr>
+          <a:xfrm>
+            <a:off x="0" y="0"/>
+            <a:ext cx="7621061" cy="769441"/>
+          </a:xfrm>
+          <a:prstGeom prst="rect">
+            <a:avLst/>
+          </a:prstGeom>
+        </p:spPr>
+        <p:txBody>
+          <a:bodyPr wrap="none">
+            <a:spAutoFit/>
+          </a:bodyPr>
+          <a:lstStyle/>
+          <a:p>
+            <a:pPr fontAlgn="base"/>
+            <a:r>
+              <a:rPr lang="en-US" sz="4400" b="1" dirty="0">
+                <a:solidFill>
+                  <a:srgbClr val="0070C0"/>
+                </a:solidFill>
+                <a:latin typeface="Arial Rounded MT Bold" panose="020F0704030504030204" pitchFamily="34" charset="0"/>
+              </a:rPr>
+              <a:t>Security, Security, Security</a:t>
+            </a:r>
+          </a:p>
+        </p:txBody>
+      </p:sp>
+      <p:sp>
+        <p:nvSpPr>
+          <p:cNvPr id="2" name="Rectangle 1">
+            <a:extLst>
+              <a:ext uri="{FF2B5EF4-FFF2-40B4-BE49-F238E27FC236}">
+                <a16:creationId xmlns:a16="http://schemas.microsoft.com/office/drawing/2014/main" id="{4F183827-32CD-46A4-9055-783D883F0F44}"/>
+              </a:ext>
+            </a:extLst>
+          </p:cNvPr>
+          <p:cNvSpPr/>
+          <p:nvPr/>
+        </p:nvSpPr>
+        <p:spPr>
+          <a:xfrm>
+            <a:off x="425569" y="1791758"/>
+            <a:ext cx="8425132" cy="3385542"/>
+          </a:xfrm>
+          <a:prstGeom prst="rect">
+            <a:avLst/>
+          </a:prstGeom>
+        </p:spPr>
+        <p:txBody>
+          <a:bodyPr wrap="square">
+            <a:spAutoFit/>
+          </a:bodyPr>
+          <a:lstStyle/>
+          <a:p>
+            <a:pPr marL="457200" indent="-457200">
+              <a:buFont typeface="Arial" panose="020B0604020202020204" pitchFamily="34" charset="0"/>
+              <a:buChar char="•"/>
+            </a:pPr>
+            <a:r>
+              <a:rPr lang="en-US" sz="2800" dirty="0">
+                <a:solidFill>
+                  <a:schemeClr val="bg1"/>
+                </a:solidFill>
+                <a:latin typeface="Arial" panose="020B0604020202020204" pitchFamily="34" charset="0"/>
+                <a:cs typeface="Arial" panose="020B0604020202020204" pitchFamily="34" charset="0"/>
+              </a:rPr>
+              <a:t>Active Directory and Role Based Security</a:t>
+            </a:r>
+          </a:p>
+          <a:p>
+            <a:pPr marL="457200" indent="-457200">
+              <a:buFont typeface="Arial" panose="020B0604020202020204" pitchFamily="34" charset="0"/>
+              <a:buChar char="•"/>
+            </a:pPr>
+            <a:r>
+              <a:rPr lang="en-US" sz="2800" dirty="0">
+                <a:solidFill>
+                  <a:schemeClr val="bg1"/>
+                </a:solidFill>
+                <a:latin typeface="Arial" panose="020B0604020202020204" pitchFamily="34" charset="0"/>
+                <a:cs typeface="Arial" panose="020B0604020202020204" pitchFamily="34" charset="0"/>
+              </a:rPr>
+              <a:t>Always Encrypted for Data and Code</a:t>
+            </a:r>
+          </a:p>
+          <a:p>
+            <a:pPr marL="457200" indent="-457200">
+              <a:buFont typeface="Arial" panose="020B0604020202020204" pitchFamily="34" charset="0"/>
+              <a:buChar char="•"/>
+            </a:pPr>
+            <a:r>
+              <a:rPr lang="en-US" sz="2800" dirty="0">
+                <a:solidFill>
+                  <a:schemeClr val="bg1"/>
+                </a:solidFill>
+                <a:latin typeface="Arial" panose="020B0604020202020204" pitchFamily="34" charset="0"/>
+                <a:cs typeface="Arial" panose="020B0604020202020204" pitchFamily="34" charset="0"/>
+              </a:rPr>
+              <a:t>Only Authorized Users Can Call the Models</a:t>
+            </a:r>
+          </a:p>
+          <a:p>
+            <a:pPr marL="457200" indent="-457200">
+              <a:buFont typeface="Arial" panose="020B0604020202020204" pitchFamily="34" charset="0"/>
+              <a:buChar char="•"/>
+            </a:pPr>
+            <a:r>
+              <a:rPr lang="en-US" sz="2800" dirty="0">
+                <a:solidFill>
+                  <a:schemeClr val="bg1"/>
+                </a:solidFill>
+                <a:latin typeface="Arial" panose="020B0604020202020204" pitchFamily="34" charset="0"/>
+                <a:cs typeface="Arial" panose="020B0604020202020204" pitchFamily="34" charset="0"/>
+              </a:rPr>
+              <a:t>Model Developers Are Granted Privileges</a:t>
+            </a:r>
+          </a:p>
+          <a:p>
+            <a:pPr marL="457200" indent="-457200">
+              <a:buFont typeface="Arial" panose="020B0604020202020204" pitchFamily="34" charset="0"/>
+              <a:buChar char="•"/>
+            </a:pPr>
+            <a:r>
+              <a:rPr lang="en-US" sz="2800" dirty="0">
+                <a:solidFill>
+                  <a:schemeClr val="bg1"/>
+                </a:solidFill>
+                <a:latin typeface="Arial" panose="020B0604020202020204" pitchFamily="34" charset="0"/>
+                <a:cs typeface="Arial" panose="020B0604020202020204" pitchFamily="34" charset="0"/>
+              </a:rPr>
+              <a:t>PII Data Can Be Hidden or Obfuscated</a:t>
+            </a:r>
+          </a:p>
+          <a:p>
+            <a:pPr marL="457200" indent="-457200">
+              <a:buFont typeface="Arial" panose="020B0604020202020204" pitchFamily="34" charset="0"/>
+              <a:buChar char="•"/>
+            </a:pPr>
+            <a:endParaRPr lang="en-US" sz="2800" dirty="0">
+              <a:solidFill>
+                <a:schemeClr val="bg1"/>
+              </a:solidFill>
+              <a:latin typeface="Arial" panose="020B0604020202020204" pitchFamily="34" charset="0"/>
+              <a:cs typeface="Arial" panose="020B0604020202020204" pitchFamily="34" charset="0"/>
+            </a:endParaRPr>
+          </a:p>
+          <a:p>
+            <a:pPr marL="457200" indent="-457200">
+              <a:buFont typeface="Arial" panose="020B0604020202020204" pitchFamily="34" charset="0"/>
+              <a:buChar char="•"/>
+            </a:pPr>
+            <a:endParaRPr lang="en-US" sz="2800" dirty="0">
+              <a:solidFill>
+                <a:schemeClr val="bg1"/>
+              </a:solidFill>
+              <a:latin typeface="Arial" panose="020B0604020202020204" pitchFamily="34" charset="0"/>
+              <a:cs typeface="Arial" panose="020B0604020202020204" pitchFamily="34" charset="0"/>
+            </a:endParaRPr>
+          </a:p>
+          <a:p>
+            <a:endParaRPr lang="en-US" dirty="0">
+              <a:solidFill>
+                <a:schemeClr val="bg1"/>
+              </a:solidFill>
+              <a:latin typeface="Arial" panose="020B0604020202020204" pitchFamily="34" charset="0"/>
+              <a:cs typeface="Arial" panose="020B0604020202020204" pitchFamily="34" charset="0"/>
+            </a:endParaRPr>
+          </a:p>
+        </p:txBody>
+      </p:sp>
+    </p:spTree>
+    <p:extLst>
+      <p:ext uri="{BB962C8B-B14F-4D97-AF65-F5344CB8AC3E}">
+        <p14:creationId xmlns:p14="http://schemas.microsoft.com/office/powerpoint/2010/main" val="4098981698"/>
+      </p:ext>
+    </p:extLst>
+  </p:cSld>
+  <p:clrMapOvr>
+    <a:masterClrMapping/>
+  </p:clrMapOvr>
+</p:sld>
+</file>
+
+<file path=ppt/slides/slide47.xml><?xml version="1.0" encoding="utf-8"?>
 <p:sld xmlns:a="http://schemas.openxmlformats.org/drawingml/2006/main" xmlns:r="http://schemas.openxmlformats.org/officeDocument/2006/relationships" xmlns:p="http://schemas.openxmlformats.org/presentationml/2006/main">
   <p:cSld>
     <p:spTree>
@@ -22187,7 +23146,7 @@
 </p:sld>
 </file>
 
-<file path=ppt/slides/slide46.xml><?xml version="1.0" encoding="utf-8"?>
+<file path=ppt/slides/slide48.xml><?xml version="1.0" encoding="utf-8"?>
 <p:sld xmlns:a="http://schemas.openxmlformats.org/drawingml/2006/main" xmlns:r="http://schemas.openxmlformats.org/officeDocument/2006/relationships" xmlns:p="http://schemas.openxmlformats.org/presentationml/2006/main">
   <p:cSld>
     <p:spTree>
@@ -23587,7 +24546,7 @@
 </p:sld>
 </file>
 
-<file path=ppt/slides/slide47.xml><?xml version="1.0" encoding="utf-8"?>
+<file path=ppt/slides/slide49.xml><?xml version="1.0" encoding="utf-8"?>
 <p:sld xmlns:a="http://schemas.openxmlformats.org/drawingml/2006/main" xmlns:r="http://schemas.openxmlformats.org/officeDocument/2006/relationships" xmlns:p="http://schemas.openxmlformats.org/presentationml/2006/main">
   <p:cSld>
     <p:spTree>
@@ -23811,7 +24770,7 @@
     </p:spTree>
     <p:extLst>
       <p:ext uri="{BB962C8B-B14F-4D97-AF65-F5344CB8AC3E}">
-        <p14:creationId xmlns:p14="http://schemas.microsoft.com/office/powerpoint/2010/main" val="687960943"/>
+        <p14:creationId xmlns:p14="http://schemas.microsoft.com/office/powerpoint/2010/main" val="506232205"/>
       </p:ext>
     </p:extLst>
   </p:cSld>
@@ -23821,7 +24780,188 @@
 </p:sld>
 </file>
 
-<file path=ppt/slides/slide48.xml><?xml version="1.0" encoding="utf-8"?>
+<file path=ppt/slides/slide5.xml><?xml version="1.0" encoding="utf-8"?>
+<p:sld xmlns:a="http://schemas.openxmlformats.org/drawingml/2006/main" xmlns:r="http://schemas.openxmlformats.org/officeDocument/2006/relationships" xmlns:p="http://schemas.openxmlformats.org/presentationml/2006/main" show="0">
+  <p:cSld>
+    <p:spTree>
+      <p:nvGrpSpPr>
+        <p:cNvPr id="1" name=""/>
+        <p:cNvGrpSpPr/>
+        <p:nvPr/>
+      </p:nvGrpSpPr>
+      <p:grpSpPr>
+        <a:xfrm>
+          <a:off x="0" y="0"/>
+          <a:ext cx="0" cy="0"/>
+          <a:chOff x="0" y="0"/>
+          <a:chExt cx="0" cy="0"/>
+        </a:xfrm>
+      </p:grpSpPr>
+      <p:sp>
+        <p:nvSpPr>
+          <p:cNvPr id="3" name="Title 2"/>
+          <p:cNvSpPr>
+            <a:spLocks noGrp="1"/>
+          </p:cNvSpPr>
+          <p:nvPr>
+            <p:ph type="title"/>
+          </p:nvPr>
+        </p:nvSpPr>
+        <p:spPr>
+          <a:xfrm>
+            <a:off x="143312" y="76200"/>
+            <a:ext cx="10515600" cy="1063625"/>
+          </a:xfrm>
+        </p:spPr>
+        <p:txBody>
+          <a:bodyPr>
+            <a:normAutofit/>
+          </a:bodyPr>
+          <a:lstStyle/>
+          <a:p>
+            <a:r>
+              <a:rPr lang="en-US" sz="4400" dirty="0">
+                <a:solidFill>
+                  <a:srgbClr val="002060"/>
+                </a:solidFill>
+                <a:latin typeface="Arial Rounded MT Bold" panose="020F0704030504030204" pitchFamily="34" charset="0"/>
+              </a:rPr>
+              <a:t>Data Science: Revolution or Evolution</a:t>
+            </a:r>
+          </a:p>
+        </p:txBody>
+      </p:sp>
+      <p:sp>
+        <p:nvSpPr>
+          <p:cNvPr id="12" name="TextBox 11"/>
+          <p:cNvSpPr txBox="1"/>
+          <p:nvPr/>
+        </p:nvSpPr>
+        <p:spPr bwMode="auto">
+          <a:xfrm>
+            <a:off x="254480" y="1453654"/>
+            <a:ext cx="10404432" cy="3477875"/>
+          </a:xfrm>
+          <a:prstGeom prst="rect">
+            <a:avLst/>
+          </a:prstGeom>
+          <a:noFill/>
+          <a:ln>
+            <a:noFill/>
+          </a:ln>
+          <a:extLst>
+            <a:ext uri="{909E8E84-426E-40DD-AFC4-6F175D3DCCD1}">
+              <a14:hiddenFill xmlns:a14="http://schemas.microsoft.com/office/drawing/2010/main">
+                <a:solidFill>
+                  <a:srgbClr val="FFFFFF"/>
+                </a:solidFill>
+              </a14:hiddenFill>
+            </a:ext>
+            <a:ext uri="{91240B29-F687-4F45-9708-019B960494DF}">
+              <a14:hiddenLine xmlns:a14="http://schemas.microsoft.com/office/drawing/2010/main" w="9525">
+                <a:solidFill>
+                  <a:srgbClr val="000000"/>
+                </a:solidFill>
+                <a:miter lim="800000"/>
+                <a:headEnd/>
+                <a:tailEnd/>
+              </a14:hiddenLine>
+            </a:ext>
+          </a:extLst>
+        </p:spPr>
+        <p:txBody>
+          <a:bodyPr wrap="square" rtlCol="0">
+            <a:spAutoFit/>
+          </a:bodyPr>
+          <a:lstStyle/>
+          <a:p>
+            <a:pPr>
+              <a:spcAft>
+                <a:spcPts val="3000"/>
+              </a:spcAft>
+            </a:pPr>
+            <a:r>
+              <a:rPr lang="en-US" sz="2400" dirty="0">
+                <a:solidFill>
+                  <a:schemeClr val="bg1"/>
+                </a:solidFill>
+              </a:rPr>
+              <a:t>Data Science is Not New! (S and SAS languages started in 1976) </a:t>
+            </a:r>
+          </a:p>
+          <a:p>
+            <a:pPr>
+              <a:spcAft>
+                <a:spcPts val="3000"/>
+              </a:spcAft>
+            </a:pPr>
+            <a:r>
+              <a:rPr lang="en-US" sz="2400" dirty="0">
+                <a:solidFill>
+                  <a:schemeClr val="bg1"/>
+                </a:solidFill>
+              </a:rPr>
+              <a:t>Focus on and Explosion of Volume of Data – Requires Statistics</a:t>
+            </a:r>
+          </a:p>
+          <a:p>
+            <a:pPr>
+              <a:spcAft>
+                <a:spcPts val="3000"/>
+              </a:spcAft>
+            </a:pPr>
+            <a:r>
+              <a:rPr lang="en-US" sz="2400" dirty="0">
+                <a:solidFill>
+                  <a:schemeClr val="bg1"/>
+                </a:solidFill>
+              </a:rPr>
+              <a:t>Faster Computers &amp; Scaling Technologies / Cloud</a:t>
+            </a:r>
+          </a:p>
+          <a:p>
+            <a:pPr>
+              <a:spcAft>
+                <a:spcPts val="3000"/>
+              </a:spcAft>
+            </a:pPr>
+            <a:r>
+              <a:rPr lang="en-US" sz="2400" dirty="0">
+                <a:solidFill>
+                  <a:schemeClr val="bg1"/>
+                </a:solidFill>
+              </a:rPr>
+              <a:t>New Hype = New Terms</a:t>
+            </a:r>
+          </a:p>
+          <a:p>
+            <a:pPr>
+              <a:spcAft>
+                <a:spcPts val="3000"/>
+              </a:spcAft>
+            </a:pPr>
+            <a:endParaRPr lang="en-US" sz="2400" dirty="0">
+              <a:solidFill>
+                <a:schemeClr val="bg1"/>
+              </a:solidFill>
+            </a:endParaRPr>
+          </a:p>
+        </p:txBody>
+      </p:sp>
+    </p:spTree>
+    <p:extLst>
+      <p:ext uri="{BB962C8B-B14F-4D97-AF65-F5344CB8AC3E}">
+        <p14:creationId xmlns:p14="http://schemas.microsoft.com/office/powerpoint/2010/main" val="1579021266"/>
+      </p:ext>
+    </p:extLst>
+  </p:cSld>
+  <p:clrMapOvr>
+    <a:masterClrMapping/>
+  </p:clrMapOvr>
+</p:sld>
+</file>
+
+<file path=ppt/slides/slide50.xml><?xml version="1.0" encoding="utf-8"?>
 <p:sld xmlns:a="http://schemas.openxmlformats.org/drawingml/2006/main" xmlns:r="http://schemas.openxmlformats.org/officeDocument/2006/relationships" xmlns:p="http://schemas.openxmlformats.org/presentationml/2006/main">
   <p:cSld>
     <p:spTree>
@@ -23891,7 +25031,7 @@
 </p:sld>
 </file>
 
-<file path=ppt/slides/slide49.xml><?xml version="1.0" encoding="utf-8"?>
+<file path=ppt/slides/slide51.xml><?xml version="1.0" encoding="utf-8"?>
 <p:sld xmlns:a="http://schemas.openxmlformats.org/drawingml/2006/main" xmlns:r="http://schemas.openxmlformats.org/officeDocument/2006/relationships" xmlns:p="http://schemas.openxmlformats.org/presentationml/2006/main">
   <p:cSld>
     <p:spTree>
@@ -23999,187 +25139,6 @@
     <p:extLst>
       <p:ext uri="{BB962C8B-B14F-4D97-AF65-F5344CB8AC3E}">
         <p14:creationId xmlns:p14="http://schemas.microsoft.com/office/powerpoint/2010/main" val="664402478"/>
-      </p:ext>
-    </p:extLst>
-  </p:cSld>
-  <p:clrMapOvr>
-    <a:masterClrMapping/>
-  </p:clrMapOvr>
-</p:sld>
-</file>
-
-<file path=ppt/slides/slide5.xml><?xml version="1.0" encoding="utf-8"?>
-<p:sld xmlns:a="http://schemas.openxmlformats.org/drawingml/2006/main" xmlns:r="http://schemas.openxmlformats.org/officeDocument/2006/relationships" xmlns:p="http://schemas.openxmlformats.org/presentationml/2006/main" show="0">
-  <p:cSld>
-    <p:spTree>
-      <p:nvGrpSpPr>
-        <p:cNvPr id="1" name=""/>
-        <p:cNvGrpSpPr/>
-        <p:nvPr/>
-      </p:nvGrpSpPr>
-      <p:grpSpPr>
-        <a:xfrm>
-          <a:off x="0" y="0"/>
-          <a:ext cx="0" cy="0"/>
-          <a:chOff x="0" y="0"/>
-          <a:chExt cx="0" cy="0"/>
-        </a:xfrm>
-      </p:grpSpPr>
-      <p:sp>
-        <p:nvSpPr>
-          <p:cNvPr id="3" name="Title 2"/>
-          <p:cNvSpPr>
-            <a:spLocks noGrp="1"/>
-          </p:cNvSpPr>
-          <p:nvPr>
-            <p:ph type="title"/>
-          </p:nvPr>
-        </p:nvSpPr>
-        <p:spPr>
-          <a:xfrm>
-            <a:off x="143312" y="76200"/>
-            <a:ext cx="10515600" cy="1063625"/>
-          </a:xfrm>
-        </p:spPr>
-        <p:txBody>
-          <a:bodyPr>
-            <a:normAutofit/>
-          </a:bodyPr>
-          <a:lstStyle/>
-          <a:p>
-            <a:r>
-              <a:rPr lang="en-US" sz="4400" dirty="0">
-                <a:solidFill>
-                  <a:srgbClr val="002060"/>
-                </a:solidFill>
-                <a:latin typeface="Arial Rounded MT Bold" panose="020F0704030504030204" pitchFamily="34" charset="0"/>
-              </a:rPr>
-              <a:t>Data Science: Revolution or Evolution</a:t>
-            </a:r>
-          </a:p>
-        </p:txBody>
-      </p:sp>
-      <p:sp>
-        <p:nvSpPr>
-          <p:cNvPr id="12" name="TextBox 11"/>
-          <p:cNvSpPr txBox="1"/>
-          <p:nvPr/>
-        </p:nvSpPr>
-        <p:spPr bwMode="auto">
-          <a:xfrm>
-            <a:off x="254480" y="1453654"/>
-            <a:ext cx="10404432" cy="3477875"/>
-          </a:xfrm>
-          <a:prstGeom prst="rect">
-            <a:avLst/>
-          </a:prstGeom>
-          <a:noFill/>
-          <a:ln>
-            <a:noFill/>
-          </a:ln>
-          <a:extLst>
-            <a:ext uri="{909E8E84-426E-40DD-AFC4-6F175D3DCCD1}">
-              <a14:hiddenFill xmlns:a14="http://schemas.microsoft.com/office/drawing/2010/main">
-                <a:solidFill>
-                  <a:srgbClr val="FFFFFF"/>
-                </a:solidFill>
-              </a14:hiddenFill>
-            </a:ext>
-            <a:ext uri="{91240B29-F687-4F45-9708-019B960494DF}">
-              <a14:hiddenLine xmlns:a14="http://schemas.microsoft.com/office/drawing/2010/main" w="9525">
-                <a:solidFill>
-                  <a:srgbClr val="000000"/>
-                </a:solidFill>
-                <a:miter lim="800000"/>
-                <a:headEnd/>
-                <a:tailEnd/>
-              </a14:hiddenLine>
-            </a:ext>
-          </a:extLst>
-        </p:spPr>
-        <p:txBody>
-          <a:bodyPr wrap="square" rtlCol="0">
-            <a:spAutoFit/>
-          </a:bodyPr>
-          <a:lstStyle/>
-          <a:p>
-            <a:pPr>
-              <a:spcAft>
-                <a:spcPts val="3000"/>
-              </a:spcAft>
-            </a:pPr>
-            <a:r>
-              <a:rPr lang="en-US" sz="2400" dirty="0">
-                <a:solidFill>
-                  <a:schemeClr val="bg1"/>
-                </a:solidFill>
-              </a:rPr>
-              <a:t>Data Science is Not New! (S and SAS languages started in 1976) </a:t>
-            </a:r>
-          </a:p>
-          <a:p>
-            <a:pPr>
-              <a:spcAft>
-                <a:spcPts val="3000"/>
-              </a:spcAft>
-            </a:pPr>
-            <a:r>
-              <a:rPr lang="en-US" sz="2400" dirty="0">
-                <a:solidFill>
-                  <a:schemeClr val="bg1"/>
-                </a:solidFill>
-              </a:rPr>
-              <a:t>Focus on and Explosion of Volume of Data – Requires Statistics</a:t>
-            </a:r>
-          </a:p>
-          <a:p>
-            <a:pPr>
-              <a:spcAft>
-                <a:spcPts val="3000"/>
-              </a:spcAft>
-            </a:pPr>
-            <a:r>
-              <a:rPr lang="en-US" sz="2400" dirty="0">
-                <a:solidFill>
-                  <a:schemeClr val="bg1"/>
-                </a:solidFill>
-              </a:rPr>
-              <a:t>Faster Computers &amp; Scaling Technologies / Cloud</a:t>
-            </a:r>
-          </a:p>
-          <a:p>
-            <a:pPr>
-              <a:spcAft>
-                <a:spcPts val="3000"/>
-              </a:spcAft>
-            </a:pPr>
-            <a:r>
-              <a:rPr lang="en-US" sz="2400" dirty="0">
-                <a:solidFill>
-                  <a:schemeClr val="bg1"/>
-                </a:solidFill>
-              </a:rPr>
-              <a:t>New Hype = New Terms</a:t>
-            </a:r>
-          </a:p>
-          <a:p>
-            <a:pPr>
-              <a:spcAft>
-                <a:spcPts val="3000"/>
-              </a:spcAft>
-            </a:pPr>
-            <a:endParaRPr lang="en-US" sz="2400" dirty="0">
-              <a:solidFill>
-                <a:schemeClr val="bg1"/>
-              </a:solidFill>
-            </a:endParaRPr>
-          </a:p>
-        </p:txBody>
-      </p:sp>
-    </p:spTree>
-    <p:extLst>
-      <p:ext uri="{BB962C8B-B14F-4D97-AF65-F5344CB8AC3E}">
-        <p14:creationId xmlns:p14="http://schemas.microsoft.com/office/powerpoint/2010/main" val="1579021266"/>
       </p:ext>
     </p:extLst>
   </p:cSld>
